--- a/Конечный вариант/СозоновА.А._5404_Презентация к диплому.pptx
+++ b/Конечный вариант/СозоновА.А._5404_Презентация к диплому.pptx
@@ -11,8 +11,16 @@
     <p:sldId id="275" r:id="rId5"/>
     <p:sldId id="276" r:id="rId6"/>
     <p:sldId id="277" r:id="rId7"/>
-    <p:sldId id="266" r:id="rId8"/>
-    <p:sldId id="273" r:id="rId9"/>
+    <p:sldId id="278" r:id="rId8"/>
+    <p:sldId id="279" r:id="rId9"/>
+    <p:sldId id="280" r:id="rId10"/>
+    <p:sldId id="281" r:id="rId11"/>
+    <p:sldId id="282" r:id="rId12"/>
+    <p:sldId id="283" r:id="rId13"/>
+    <p:sldId id="284" r:id="rId14"/>
+    <p:sldId id="285" r:id="rId15"/>
+    <p:sldId id="266" r:id="rId16"/>
+    <p:sldId id="273" r:id="rId17"/>
   </p:sldIdLst>
   <p:sldSz cx="9144000" cy="6858000" type="screen4x3"/>
   <p:notesSz cx="6858000" cy="9144000"/>
@@ -4052,6 +4060,1521 @@
   <p:clrMapOvr>
     <a:masterClrMapping/>
   </p:clrMapOvr>
+  <p:timing>
+    <p:tnLst>
+      <p:par>
+        <p:cTn id="1" dur="indefinite" restart="never" nodeType="tmRoot"/>
+      </p:par>
+    </p:tnLst>
+  </p:timing>
+</p:sld>
+</file>
+
+<file path=ppt/slides/slide10.xml><?xml version="1.0" encoding="utf-8"?>
+<p:sld xmlns:a="http://schemas.openxmlformats.org/drawingml/2006/main" xmlns:r="http://schemas.openxmlformats.org/officeDocument/2006/relationships" xmlns:p="http://schemas.openxmlformats.org/presentationml/2006/main">
+  <p:cSld>
+    <p:spTree>
+      <p:nvGrpSpPr>
+        <p:cNvPr id="1" name=""/>
+        <p:cNvGrpSpPr/>
+        <p:nvPr/>
+      </p:nvGrpSpPr>
+      <p:grpSpPr>
+        <a:xfrm>
+          <a:off x="0" y="0"/>
+          <a:ext cx="0" cy="0"/>
+          <a:chOff x="0" y="0"/>
+          <a:chExt cx="0" cy="0"/>
+        </a:xfrm>
+      </p:grpSpPr>
+      <p:sp>
+        <p:nvSpPr>
+          <p:cNvPr id="2" name="Заголовок 1"/>
+          <p:cNvSpPr>
+            <a:spLocks noGrp="1"/>
+          </p:cNvSpPr>
+          <p:nvPr>
+            <p:ph type="title"/>
+          </p:nvPr>
+        </p:nvSpPr>
+        <p:spPr/>
+        <p:txBody>
+          <a:bodyPr>
+            <a:normAutofit fontScale="90000"/>
+          </a:bodyPr>
+          <a:lstStyle/>
+          <a:p>
+            <a:r>
+              <a:rPr lang="ru-RU" dirty="0" smtClean="0"/>
+              <a:t>Разгон и торможение самосвала в сопряженном состоянии</a:t>
+            </a:r>
+            <a:endParaRPr lang="ru-RU" dirty="0"/>
+          </a:p>
+        </p:txBody>
+      </p:sp>
+      <p:pic>
+        <p:nvPicPr>
+          <p:cNvPr id="2050" name="Picture 2"/>
+          <p:cNvPicPr>
+            <a:picLocks noGrp="1" noChangeAspect="1" noChangeArrowheads="1"/>
+          </p:cNvPicPr>
+          <p:nvPr>
+            <p:ph sz="quarter" idx="1"/>
+          </p:nvPr>
+        </p:nvPicPr>
+        <p:blipFill>
+          <a:blip r:embed="rId2"/>
+          <a:srcRect/>
+          <a:stretch>
+            <a:fillRect/>
+          </a:stretch>
+        </p:blipFill>
+        <p:spPr bwMode="auto">
+          <a:xfrm>
+            <a:off x="228600" y="1295399"/>
+            <a:ext cx="4267200" cy="2362201"/>
+          </a:xfrm>
+          <a:prstGeom prst="rect">
+            <a:avLst/>
+          </a:prstGeom>
+          <a:noFill/>
+          <a:ln w="9525">
+            <a:noFill/>
+            <a:miter lim="800000"/>
+            <a:headEnd/>
+            <a:tailEnd/>
+          </a:ln>
+          <a:effectLst/>
+        </p:spPr>
+      </p:pic>
+      <p:pic>
+        <p:nvPicPr>
+          <p:cNvPr id="2051" name="Picture 3"/>
+          <p:cNvPicPr>
+            <a:picLocks noChangeAspect="1" noChangeArrowheads="1"/>
+          </p:cNvPicPr>
+          <p:nvPr/>
+        </p:nvPicPr>
+        <p:blipFill>
+          <a:blip r:embed="rId3"/>
+          <a:srcRect/>
+          <a:stretch>
+            <a:fillRect/>
+          </a:stretch>
+        </p:blipFill>
+        <p:spPr bwMode="auto">
+          <a:xfrm>
+            <a:off x="4724400" y="1295401"/>
+            <a:ext cx="4038600" cy="2362200"/>
+          </a:xfrm>
+          <a:prstGeom prst="rect">
+            <a:avLst/>
+          </a:prstGeom>
+          <a:noFill/>
+          <a:ln w="9525">
+            <a:noFill/>
+            <a:miter lim="800000"/>
+            <a:headEnd/>
+            <a:tailEnd/>
+          </a:ln>
+          <a:effectLst/>
+        </p:spPr>
+      </p:pic>
+      <p:pic>
+        <p:nvPicPr>
+          <p:cNvPr id="2052" name="Picture 4"/>
+          <p:cNvPicPr>
+            <a:picLocks noChangeAspect="1" noChangeArrowheads="1"/>
+          </p:cNvPicPr>
+          <p:nvPr/>
+        </p:nvPicPr>
+        <p:blipFill>
+          <a:blip r:embed="rId4"/>
+          <a:srcRect/>
+          <a:stretch>
+            <a:fillRect/>
+          </a:stretch>
+        </p:blipFill>
+        <p:spPr bwMode="auto">
+          <a:xfrm>
+            <a:off x="228600" y="3657600"/>
+            <a:ext cx="4267200" cy="2571750"/>
+          </a:xfrm>
+          <a:prstGeom prst="rect">
+            <a:avLst/>
+          </a:prstGeom>
+          <a:noFill/>
+          <a:ln w="9525">
+            <a:noFill/>
+            <a:miter lim="800000"/>
+            <a:headEnd/>
+            <a:tailEnd/>
+          </a:ln>
+          <a:effectLst/>
+        </p:spPr>
+      </p:pic>
+      <p:pic>
+        <p:nvPicPr>
+          <p:cNvPr id="7" name="Рисунок 6"/>
+          <p:cNvPicPr/>
+          <p:nvPr/>
+        </p:nvPicPr>
+        <p:blipFill>
+          <a:blip r:embed="rId5" cstate="print"/>
+          <a:srcRect/>
+          <a:stretch>
+            <a:fillRect/>
+          </a:stretch>
+        </p:blipFill>
+        <p:spPr bwMode="auto">
+          <a:xfrm>
+            <a:off x="4724400" y="3657600"/>
+            <a:ext cx="4101878" cy="2592691"/>
+          </a:xfrm>
+          <a:prstGeom prst="rect">
+            <a:avLst/>
+          </a:prstGeom>
+          <a:noFill/>
+          <a:ln w="9525">
+            <a:noFill/>
+            <a:miter lim="800000"/>
+            <a:headEnd/>
+            <a:tailEnd/>
+          </a:ln>
+        </p:spPr>
+      </p:pic>
+      <p:sp>
+        <p:nvSpPr>
+          <p:cNvPr id="8" name="TextBox 7"/>
+          <p:cNvSpPr txBox="1"/>
+          <p:nvPr/>
+        </p:nvSpPr>
+        <p:spPr>
+          <a:xfrm>
+            <a:off x="8305800" y="6324600"/>
+            <a:ext cx="418704" cy="369332"/>
+          </a:xfrm>
+          <a:prstGeom prst="rect">
+            <a:avLst/>
+          </a:prstGeom>
+          <a:noFill/>
+        </p:spPr>
+        <p:txBody>
+          <a:bodyPr wrap="none" rtlCol="0">
+            <a:spAutoFit/>
+          </a:bodyPr>
+          <a:lstStyle/>
+          <a:p>
+            <a:r>
+              <a:rPr lang="ru-RU" dirty="0" smtClean="0"/>
+              <a:t>10</a:t>
+            </a:r>
+            <a:endParaRPr lang="ru-RU" dirty="0"/>
+          </a:p>
+        </p:txBody>
+      </p:sp>
+    </p:spTree>
+  </p:cSld>
+  <p:clrMapOvr>
+    <a:masterClrMapping/>
+  </p:clrMapOvr>
+</p:sld>
+</file>
+
+<file path=ppt/slides/slide11.xml><?xml version="1.0" encoding="utf-8"?>
+<p:sld xmlns:a="http://schemas.openxmlformats.org/drawingml/2006/main" xmlns:r="http://schemas.openxmlformats.org/officeDocument/2006/relationships" xmlns:p="http://schemas.openxmlformats.org/presentationml/2006/main">
+  <p:cSld>
+    <p:spTree>
+      <p:nvGrpSpPr>
+        <p:cNvPr id="1" name=""/>
+        <p:cNvGrpSpPr/>
+        <p:nvPr/>
+      </p:nvGrpSpPr>
+      <p:grpSpPr>
+        <a:xfrm>
+          <a:off x="0" y="0"/>
+          <a:ext cx="0" cy="0"/>
+          <a:chOff x="0" y="0"/>
+          <a:chExt cx="0" cy="0"/>
+        </a:xfrm>
+      </p:grpSpPr>
+      <p:sp>
+        <p:nvSpPr>
+          <p:cNvPr id="2" name="Заголовок 1"/>
+          <p:cNvSpPr>
+            <a:spLocks noGrp="1"/>
+          </p:cNvSpPr>
+          <p:nvPr>
+            <p:ph type="title"/>
+          </p:nvPr>
+        </p:nvSpPr>
+        <p:spPr/>
+        <p:txBody>
+          <a:bodyPr>
+            <a:normAutofit fontScale="90000"/>
+          </a:bodyPr>
+          <a:lstStyle/>
+          <a:p>
+            <a:r>
+              <a:rPr lang="ru-RU" dirty="0" smtClean="0"/>
+              <a:t>Разгон и торможение с максимальной нагрузкой</a:t>
+            </a:r>
+            <a:endParaRPr lang="ru-RU" dirty="0"/>
+          </a:p>
+        </p:txBody>
+      </p:sp>
+      <p:pic>
+        <p:nvPicPr>
+          <p:cNvPr id="3074" name="Picture 2"/>
+          <p:cNvPicPr>
+            <a:picLocks noGrp="1" noChangeAspect="1" noChangeArrowheads="1"/>
+          </p:cNvPicPr>
+          <p:nvPr>
+            <p:ph sz="quarter" idx="1"/>
+          </p:nvPr>
+        </p:nvPicPr>
+        <p:blipFill>
+          <a:blip r:embed="rId2"/>
+          <a:srcRect/>
+          <a:stretch>
+            <a:fillRect/>
+          </a:stretch>
+        </p:blipFill>
+        <p:spPr bwMode="auto">
+          <a:xfrm>
+            <a:off x="381000" y="1219199"/>
+            <a:ext cx="4953000" cy="2425535"/>
+          </a:xfrm>
+          <a:prstGeom prst="rect">
+            <a:avLst/>
+          </a:prstGeom>
+          <a:noFill/>
+          <a:ln w="9525">
+            <a:noFill/>
+            <a:miter lim="800000"/>
+            <a:headEnd/>
+            <a:tailEnd/>
+          </a:ln>
+          <a:effectLst/>
+        </p:spPr>
+      </p:pic>
+      <p:pic>
+        <p:nvPicPr>
+          <p:cNvPr id="3075" name="Picture 3"/>
+          <p:cNvPicPr>
+            <a:picLocks noChangeAspect="1" noChangeArrowheads="1"/>
+          </p:cNvPicPr>
+          <p:nvPr/>
+        </p:nvPicPr>
+        <p:blipFill>
+          <a:blip r:embed="rId3"/>
+          <a:srcRect/>
+          <a:stretch>
+            <a:fillRect/>
+          </a:stretch>
+        </p:blipFill>
+        <p:spPr bwMode="auto">
+          <a:xfrm>
+            <a:off x="381000" y="3733800"/>
+            <a:ext cx="4876800" cy="2486025"/>
+          </a:xfrm>
+          <a:prstGeom prst="rect">
+            <a:avLst/>
+          </a:prstGeom>
+          <a:noFill/>
+          <a:ln w="9525">
+            <a:noFill/>
+            <a:miter lim="800000"/>
+            <a:headEnd/>
+            <a:tailEnd/>
+          </a:ln>
+          <a:effectLst/>
+        </p:spPr>
+      </p:pic>
+      <p:sp>
+        <p:nvSpPr>
+          <p:cNvPr id="7" name="TextBox 6"/>
+          <p:cNvSpPr txBox="1"/>
+          <p:nvPr/>
+        </p:nvSpPr>
+        <p:spPr>
+          <a:xfrm>
+            <a:off x="5334000" y="1447800"/>
+            <a:ext cx="3581400" cy="4247317"/>
+          </a:xfrm>
+          <a:prstGeom prst="rect">
+            <a:avLst/>
+          </a:prstGeom>
+          <a:noFill/>
+        </p:spPr>
+        <p:txBody>
+          <a:bodyPr wrap="square" rtlCol="0">
+            <a:spAutoFit/>
+          </a:bodyPr>
+          <a:lstStyle/>
+          <a:p>
+            <a:r>
+              <a:rPr lang="ru-RU" dirty="0" smtClean="0"/>
+              <a:t>В момент времени </a:t>
+            </a:r>
+            <a:r>
+              <a:rPr lang="en-US" dirty="0" smtClean="0"/>
+              <a:t>t=2</a:t>
+            </a:r>
+            <a:r>
+              <a:rPr lang="ru-RU" dirty="0" smtClean="0"/>
+              <a:t> с прикладывается нагрузка 18000 Нм. </a:t>
+            </a:r>
+          </a:p>
+          <a:p>
+            <a:endParaRPr lang="ru-RU" dirty="0" smtClean="0"/>
+          </a:p>
+          <a:p>
+            <a:r>
+              <a:rPr lang="ru-RU" dirty="0" smtClean="0"/>
+              <a:t>Выводы:</a:t>
+            </a:r>
+          </a:p>
+          <a:p>
+            <a:pPr>
+              <a:buFontTx/>
+              <a:buChar char="-"/>
+            </a:pPr>
+            <a:r>
+              <a:rPr lang="ru-RU" dirty="0" smtClean="0"/>
+              <a:t>СУ выдерживает такую нагрузку скорость вращения соответствует тяговым характеристикам заявленным производителем самосвала.</a:t>
+            </a:r>
+          </a:p>
+          <a:p>
+            <a:endParaRPr lang="ru-RU" dirty="0" smtClean="0"/>
+          </a:p>
+          <a:p>
+            <a:endParaRPr lang="ru-RU" dirty="0" smtClean="0"/>
+          </a:p>
+          <a:p>
+            <a:pPr>
+              <a:buFontTx/>
+              <a:buChar char="-"/>
+            </a:pPr>
+            <a:r>
+              <a:rPr lang="ru-RU" dirty="0" smtClean="0"/>
+              <a:t>СУ корректно отрабатывает алгоритм удержания нуля скорости.</a:t>
+            </a:r>
+            <a:endParaRPr lang="ru-RU" dirty="0"/>
+          </a:p>
+        </p:txBody>
+      </p:sp>
+      <p:sp>
+        <p:nvSpPr>
+          <p:cNvPr id="8" name="TextBox 7"/>
+          <p:cNvSpPr txBox="1"/>
+          <p:nvPr/>
+        </p:nvSpPr>
+        <p:spPr>
+          <a:xfrm>
+            <a:off x="8305800" y="6324600"/>
+            <a:ext cx="418704" cy="369332"/>
+          </a:xfrm>
+          <a:prstGeom prst="rect">
+            <a:avLst/>
+          </a:prstGeom>
+          <a:noFill/>
+        </p:spPr>
+        <p:txBody>
+          <a:bodyPr wrap="none" rtlCol="0">
+            <a:spAutoFit/>
+          </a:bodyPr>
+          <a:lstStyle/>
+          <a:p>
+            <a:r>
+              <a:rPr lang="ru-RU" dirty="0" smtClean="0"/>
+              <a:t>11</a:t>
+            </a:r>
+            <a:endParaRPr lang="ru-RU" dirty="0"/>
+          </a:p>
+        </p:txBody>
+      </p:sp>
+    </p:spTree>
+  </p:cSld>
+  <p:clrMapOvr>
+    <a:masterClrMapping/>
+  </p:clrMapOvr>
+  <p:timing>
+    <p:tnLst>
+      <p:par>
+        <p:cTn id="1" dur="indefinite" restart="never" nodeType="tmRoot"/>
+      </p:par>
+    </p:tnLst>
+  </p:timing>
+</p:sld>
+</file>
+
+<file path=ppt/slides/slide12.xml><?xml version="1.0" encoding="utf-8"?>
+<p:sld xmlns:a="http://schemas.openxmlformats.org/drawingml/2006/main" xmlns:r="http://schemas.openxmlformats.org/officeDocument/2006/relationships" xmlns:p="http://schemas.openxmlformats.org/presentationml/2006/main">
+  <p:cSld>
+    <p:spTree>
+      <p:nvGrpSpPr>
+        <p:cNvPr id="1" name=""/>
+        <p:cNvGrpSpPr/>
+        <p:nvPr/>
+      </p:nvGrpSpPr>
+      <p:grpSpPr>
+        <a:xfrm>
+          <a:off x="0" y="0"/>
+          <a:ext cx="0" cy="0"/>
+          <a:chOff x="0" y="0"/>
+          <a:chExt cx="0" cy="0"/>
+        </a:xfrm>
+      </p:grpSpPr>
+      <p:sp>
+        <p:nvSpPr>
+          <p:cNvPr id="2" name="Заголовок 1"/>
+          <p:cNvSpPr>
+            <a:spLocks noGrp="1"/>
+          </p:cNvSpPr>
+          <p:nvPr>
+            <p:ph type="title"/>
+          </p:nvPr>
+        </p:nvSpPr>
+        <p:spPr/>
+        <p:txBody>
+          <a:bodyPr>
+            <a:normAutofit fontScale="90000"/>
+          </a:bodyPr>
+          <a:lstStyle/>
+          <a:p>
+            <a:r>
+              <a:rPr lang="ru-RU" dirty="0" smtClean="0"/>
+              <a:t>Режим дифференциала и удержания скорости движения (круиз-контроль).</a:t>
+            </a:r>
+            <a:endParaRPr lang="ru-RU" dirty="0"/>
+          </a:p>
+        </p:txBody>
+      </p:sp>
+      <p:pic>
+        <p:nvPicPr>
+          <p:cNvPr id="4098" name="Picture 2"/>
+          <p:cNvPicPr>
+            <a:picLocks noGrp="1" noChangeAspect="1" noChangeArrowheads="1"/>
+          </p:cNvPicPr>
+          <p:nvPr>
+            <p:ph sz="quarter" idx="1"/>
+          </p:nvPr>
+        </p:nvPicPr>
+        <p:blipFill>
+          <a:blip r:embed="rId2"/>
+          <a:srcRect/>
+          <a:stretch>
+            <a:fillRect/>
+          </a:stretch>
+        </p:blipFill>
+        <p:spPr bwMode="auto">
+          <a:xfrm>
+            <a:off x="228600" y="1600200"/>
+            <a:ext cx="3952875" cy="2286000"/>
+          </a:xfrm>
+          <a:prstGeom prst="rect">
+            <a:avLst/>
+          </a:prstGeom>
+          <a:noFill/>
+          <a:ln w="9525">
+            <a:noFill/>
+            <a:miter lim="800000"/>
+            <a:headEnd/>
+            <a:tailEnd/>
+          </a:ln>
+          <a:effectLst/>
+        </p:spPr>
+      </p:pic>
+      <p:pic>
+        <p:nvPicPr>
+          <p:cNvPr id="4099" name="Picture 3"/>
+          <p:cNvPicPr>
+            <a:picLocks noChangeAspect="1" noChangeArrowheads="1"/>
+          </p:cNvPicPr>
+          <p:nvPr/>
+        </p:nvPicPr>
+        <p:blipFill>
+          <a:blip r:embed="rId3"/>
+          <a:srcRect/>
+          <a:stretch>
+            <a:fillRect/>
+          </a:stretch>
+        </p:blipFill>
+        <p:spPr bwMode="auto">
+          <a:xfrm>
+            <a:off x="457200" y="3962400"/>
+            <a:ext cx="3733800" cy="2246191"/>
+          </a:xfrm>
+          <a:prstGeom prst="rect">
+            <a:avLst/>
+          </a:prstGeom>
+          <a:noFill/>
+          <a:ln w="9525">
+            <a:noFill/>
+            <a:miter lim="800000"/>
+            <a:headEnd/>
+            <a:tailEnd/>
+          </a:ln>
+          <a:effectLst/>
+        </p:spPr>
+      </p:pic>
+      <p:sp>
+        <p:nvSpPr>
+          <p:cNvPr id="7" name="TextBox 6"/>
+          <p:cNvSpPr txBox="1"/>
+          <p:nvPr/>
+        </p:nvSpPr>
+        <p:spPr>
+          <a:xfrm>
+            <a:off x="685800" y="1219200"/>
+            <a:ext cx="1763624" cy="369332"/>
+          </a:xfrm>
+          <a:prstGeom prst="rect">
+            <a:avLst/>
+          </a:prstGeom>
+          <a:noFill/>
+        </p:spPr>
+        <p:txBody>
+          <a:bodyPr wrap="none" rtlCol="0">
+            <a:spAutoFit/>
+          </a:bodyPr>
+          <a:lstStyle/>
+          <a:p>
+            <a:r>
+              <a:rPr lang="ru-RU" dirty="0" smtClean="0"/>
+              <a:t>Дифференциал:</a:t>
+            </a:r>
+            <a:endParaRPr lang="ru-RU" dirty="0"/>
+          </a:p>
+        </p:txBody>
+      </p:sp>
+      <p:pic>
+        <p:nvPicPr>
+          <p:cNvPr id="4100" name="Picture 4"/>
+          <p:cNvPicPr>
+            <a:picLocks noChangeAspect="1" noChangeArrowheads="1"/>
+          </p:cNvPicPr>
+          <p:nvPr/>
+        </p:nvPicPr>
+        <p:blipFill>
+          <a:blip r:embed="rId4"/>
+          <a:srcRect/>
+          <a:stretch>
+            <a:fillRect/>
+          </a:stretch>
+        </p:blipFill>
+        <p:spPr bwMode="auto">
+          <a:xfrm>
+            <a:off x="4760047" y="1600200"/>
+            <a:ext cx="4002953" cy="2286000"/>
+          </a:xfrm>
+          <a:prstGeom prst="rect">
+            <a:avLst/>
+          </a:prstGeom>
+          <a:noFill/>
+          <a:ln w="9525">
+            <a:noFill/>
+            <a:miter lim="800000"/>
+            <a:headEnd/>
+            <a:tailEnd/>
+          </a:ln>
+          <a:effectLst/>
+        </p:spPr>
+      </p:pic>
+      <p:sp>
+        <p:nvSpPr>
+          <p:cNvPr id="9" name="TextBox 8"/>
+          <p:cNvSpPr txBox="1"/>
+          <p:nvPr/>
+        </p:nvSpPr>
+        <p:spPr>
+          <a:xfrm>
+            <a:off x="5105400" y="1219200"/>
+            <a:ext cx="2272738" cy="369332"/>
+          </a:xfrm>
+          <a:prstGeom prst="rect">
+            <a:avLst/>
+          </a:prstGeom>
+          <a:noFill/>
+        </p:spPr>
+        <p:txBody>
+          <a:bodyPr wrap="none" rtlCol="0">
+            <a:spAutoFit/>
+          </a:bodyPr>
+          <a:lstStyle/>
+          <a:p>
+            <a:r>
+              <a:rPr lang="ru-RU" dirty="0" smtClean="0"/>
+              <a:t>Удержание скорости:</a:t>
+            </a:r>
+            <a:endParaRPr lang="ru-RU" dirty="0"/>
+          </a:p>
+        </p:txBody>
+      </p:sp>
+      <p:cxnSp>
+        <p:nvCxnSpPr>
+          <p:cNvPr id="11" name="Прямая соединительная линия 10"/>
+          <p:cNvCxnSpPr/>
+          <p:nvPr/>
+        </p:nvCxnSpPr>
+        <p:spPr>
+          <a:xfrm rot="5400000">
+            <a:off x="2095500" y="3771900"/>
+            <a:ext cx="4800600" cy="1588"/>
+          </a:xfrm>
+          <a:prstGeom prst="line">
+            <a:avLst/>
+          </a:prstGeom>
+        </p:spPr>
+        <p:style>
+          <a:lnRef idx="1">
+            <a:schemeClr val="accent1"/>
+          </a:lnRef>
+          <a:fillRef idx="0">
+            <a:schemeClr val="accent1"/>
+          </a:fillRef>
+          <a:effectRef idx="0">
+            <a:schemeClr val="accent1"/>
+          </a:effectRef>
+          <a:fontRef idx="minor">
+            <a:schemeClr val="tx1"/>
+          </a:fontRef>
+        </p:style>
+      </p:cxnSp>
+      <p:pic>
+        <p:nvPicPr>
+          <p:cNvPr id="4101" name="Picture 5"/>
+          <p:cNvPicPr>
+            <a:picLocks noChangeAspect="1" noChangeArrowheads="1"/>
+          </p:cNvPicPr>
+          <p:nvPr/>
+        </p:nvPicPr>
+        <p:blipFill>
+          <a:blip r:embed="rId5"/>
+          <a:srcRect/>
+          <a:stretch>
+            <a:fillRect/>
+          </a:stretch>
+        </p:blipFill>
+        <p:spPr bwMode="auto">
+          <a:xfrm>
+            <a:off x="4800600" y="3962400"/>
+            <a:ext cx="4010025" cy="2371725"/>
+          </a:xfrm>
+          <a:prstGeom prst="rect">
+            <a:avLst/>
+          </a:prstGeom>
+          <a:noFill/>
+          <a:ln w="9525">
+            <a:noFill/>
+            <a:miter lim="800000"/>
+            <a:headEnd/>
+            <a:tailEnd/>
+          </a:ln>
+          <a:effectLst/>
+        </p:spPr>
+      </p:pic>
+      <p:sp>
+        <p:nvSpPr>
+          <p:cNvPr id="13" name="TextBox 12"/>
+          <p:cNvSpPr txBox="1"/>
+          <p:nvPr/>
+        </p:nvSpPr>
+        <p:spPr>
+          <a:xfrm>
+            <a:off x="8305800" y="6324600"/>
+            <a:ext cx="418704" cy="369332"/>
+          </a:xfrm>
+          <a:prstGeom prst="rect">
+            <a:avLst/>
+          </a:prstGeom>
+          <a:noFill/>
+        </p:spPr>
+        <p:txBody>
+          <a:bodyPr wrap="none" rtlCol="0">
+            <a:spAutoFit/>
+          </a:bodyPr>
+          <a:lstStyle/>
+          <a:p>
+            <a:r>
+              <a:rPr lang="ru-RU" dirty="0" smtClean="0"/>
+              <a:t>12</a:t>
+            </a:r>
+            <a:endParaRPr lang="ru-RU" dirty="0"/>
+          </a:p>
+        </p:txBody>
+      </p:sp>
+    </p:spTree>
+  </p:cSld>
+  <p:clrMapOvr>
+    <a:masterClrMapping/>
+  </p:clrMapOvr>
+  <p:timing>
+    <p:tnLst>
+      <p:par>
+        <p:cTn id="1" dur="indefinite" restart="never" nodeType="tmRoot"/>
+      </p:par>
+    </p:tnLst>
+  </p:timing>
+</p:sld>
+</file>
+
+<file path=ppt/slides/slide13.xml><?xml version="1.0" encoding="utf-8"?>
+<p:sld xmlns:a="http://schemas.openxmlformats.org/drawingml/2006/main" xmlns:r="http://schemas.openxmlformats.org/officeDocument/2006/relationships" xmlns:p="http://schemas.openxmlformats.org/presentationml/2006/main">
+  <p:cSld>
+    <p:spTree>
+      <p:nvGrpSpPr>
+        <p:cNvPr id="1" name=""/>
+        <p:cNvGrpSpPr/>
+        <p:nvPr/>
+      </p:nvGrpSpPr>
+      <p:grpSpPr>
+        <a:xfrm>
+          <a:off x="0" y="0"/>
+          <a:ext cx="0" cy="0"/>
+          <a:chOff x="0" y="0"/>
+          <a:chExt cx="0" cy="0"/>
+        </a:xfrm>
+      </p:grpSpPr>
+      <p:sp>
+        <p:nvSpPr>
+          <p:cNvPr id="2" name="Заголовок 1"/>
+          <p:cNvSpPr>
+            <a:spLocks noGrp="1"/>
+          </p:cNvSpPr>
+          <p:nvPr>
+            <p:ph type="title"/>
+          </p:nvPr>
+        </p:nvSpPr>
+        <p:spPr/>
+        <p:txBody>
+          <a:bodyPr/>
+          <a:lstStyle/>
+          <a:p>
+            <a:r>
+              <a:rPr lang="ru-RU" dirty="0" smtClean="0"/>
+              <a:t>Режимы отвечающие за безопасность.</a:t>
+            </a:r>
+            <a:endParaRPr lang="ru-RU" dirty="0"/>
+          </a:p>
+        </p:txBody>
+      </p:sp>
+      <p:pic>
+        <p:nvPicPr>
+          <p:cNvPr id="5122" name="Picture 2"/>
+          <p:cNvPicPr>
+            <a:picLocks noGrp="1" noChangeAspect="1" noChangeArrowheads="1"/>
+          </p:cNvPicPr>
+          <p:nvPr>
+            <p:ph sz="quarter" idx="1"/>
+          </p:nvPr>
+        </p:nvPicPr>
+        <p:blipFill>
+          <a:blip r:embed="rId2"/>
+          <a:srcRect/>
+          <a:stretch>
+            <a:fillRect/>
+          </a:stretch>
+        </p:blipFill>
+        <p:spPr bwMode="auto">
+          <a:xfrm>
+            <a:off x="0" y="1676400"/>
+            <a:ext cx="4495800" cy="2286000"/>
+          </a:xfrm>
+          <a:prstGeom prst="rect">
+            <a:avLst/>
+          </a:prstGeom>
+          <a:noFill/>
+          <a:ln w="9525">
+            <a:noFill/>
+            <a:miter lim="800000"/>
+            <a:headEnd/>
+            <a:tailEnd/>
+          </a:ln>
+          <a:effectLst/>
+        </p:spPr>
+      </p:pic>
+      <p:pic>
+        <p:nvPicPr>
+          <p:cNvPr id="5123" name="Picture 3"/>
+          <p:cNvPicPr>
+            <a:picLocks noChangeAspect="1" noChangeArrowheads="1"/>
+          </p:cNvPicPr>
+          <p:nvPr/>
+        </p:nvPicPr>
+        <p:blipFill>
+          <a:blip r:embed="rId3"/>
+          <a:srcRect/>
+          <a:stretch>
+            <a:fillRect/>
+          </a:stretch>
+        </p:blipFill>
+        <p:spPr bwMode="auto">
+          <a:xfrm>
+            <a:off x="304800" y="3962400"/>
+            <a:ext cx="4395355" cy="2057400"/>
+          </a:xfrm>
+          <a:prstGeom prst="rect">
+            <a:avLst/>
+          </a:prstGeom>
+          <a:noFill/>
+          <a:ln w="9525">
+            <a:noFill/>
+            <a:miter lim="800000"/>
+            <a:headEnd/>
+            <a:tailEnd/>
+          </a:ln>
+          <a:effectLst/>
+        </p:spPr>
+      </p:pic>
+      <p:sp>
+        <p:nvSpPr>
+          <p:cNvPr id="6" name="TextBox 5"/>
+          <p:cNvSpPr txBox="1"/>
+          <p:nvPr/>
+        </p:nvSpPr>
+        <p:spPr>
+          <a:xfrm>
+            <a:off x="533400" y="1295400"/>
+            <a:ext cx="627095" cy="369332"/>
+          </a:xfrm>
+          <a:prstGeom prst="rect">
+            <a:avLst/>
+          </a:prstGeom>
+          <a:noFill/>
+        </p:spPr>
+        <p:txBody>
+          <a:bodyPr wrap="none" rtlCol="0">
+            <a:spAutoFit/>
+          </a:bodyPr>
+          <a:lstStyle/>
+          <a:p>
+            <a:r>
+              <a:rPr lang="ru-RU" dirty="0" smtClean="0"/>
+              <a:t>АБС:</a:t>
+            </a:r>
+            <a:endParaRPr lang="ru-RU" dirty="0"/>
+          </a:p>
+        </p:txBody>
+      </p:sp>
+      <p:cxnSp>
+        <p:nvCxnSpPr>
+          <p:cNvPr id="7" name="Прямая соединительная линия 6"/>
+          <p:cNvCxnSpPr/>
+          <p:nvPr/>
+        </p:nvCxnSpPr>
+        <p:spPr>
+          <a:xfrm rot="5400000">
+            <a:off x="2324894" y="3694906"/>
+            <a:ext cx="4800600" cy="1588"/>
+          </a:xfrm>
+          <a:prstGeom prst="line">
+            <a:avLst/>
+          </a:prstGeom>
+        </p:spPr>
+        <p:style>
+          <a:lnRef idx="1">
+            <a:schemeClr val="accent1"/>
+          </a:lnRef>
+          <a:fillRef idx="0">
+            <a:schemeClr val="accent1"/>
+          </a:fillRef>
+          <a:effectRef idx="0">
+            <a:schemeClr val="accent1"/>
+          </a:effectRef>
+          <a:fontRef idx="minor">
+            <a:schemeClr val="tx1"/>
+          </a:fontRef>
+        </p:style>
+      </p:cxnSp>
+      <p:pic>
+        <p:nvPicPr>
+          <p:cNvPr id="5124" name="Picture 4"/>
+          <p:cNvPicPr>
+            <a:picLocks noChangeAspect="1" noChangeArrowheads="1"/>
+          </p:cNvPicPr>
+          <p:nvPr/>
+        </p:nvPicPr>
+        <p:blipFill>
+          <a:blip r:embed="rId4"/>
+          <a:srcRect/>
+          <a:stretch>
+            <a:fillRect/>
+          </a:stretch>
+        </p:blipFill>
+        <p:spPr bwMode="auto">
+          <a:xfrm>
+            <a:off x="4876800" y="1600200"/>
+            <a:ext cx="4112713" cy="2286000"/>
+          </a:xfrm>
+          <a:prstGeom prst="rect">
+            <a:avLst/>
+          </a:prstGeom>
+          <a:noFill/>
+          <a:ln w="9525">
+            <a:noFill/>
+            <a:miter lim="800000"/>
+            <a:headEnd/>
+            <a:tailEnd/>
+          </a:ln>
+          <a:effectLst/>
+        </p:spPr>
+      </p:pic>
+      <p:pic>
+        <p:nvPicPr>
+          <p:cNvPr id="5125" name="Picture 5"/>
+          <p:cNvPicPr>
+            <a:picLocks noChangeAspect="1" noChangeArrowheads="1"/>
+          </p:cNvPicPr>
+          <p:nvPr/>
+        </p:nvPicPr>
+        <p:blipFill>
+          <a:blip r:embed="rId5"/>
+          <a:srcRect/>
+          <a:stretch>
+            <a:fillRect/>
+          </a:stretch>
+        </p:blipFill>
+        <p:spPr bwMode="auto">
+          <a:xfrm>
+            <a:off x="4800600" y="3962400"/>
+            <a:ext cx="4153480" cy="1981200"/>
+          </a:xfrm>
+          <a:prstGeom prst="rect">
+            <a:avLst/>
+          </a:prstGeom>
+          <a:noFill/>
+          <a:ln w="9525">
+            <a:noFill/>
+            <a:miter lim="800000"/>
+            <a:headEnd/>
+            <a:tailEnd/>
+          </a:ln>
+          <a:effectLst/>
+        </p:spPr>
+      </p:pic>
+      <p:sp>
+        <p:nvSpPr>
+          <p:cNvPr id="10" name="TextBox 9"/>
+          <p:cNvSpPr txBox="1"/>
+          <p:nvPr/>
+        </p:nvSpPr>
+        <p:spPr>
+          <a:xfrm>
+            <a:off x="5029200" y="1295400"/>
+            <a:ext cx="2481705" cy="369332"/>
+          </a:xfrm>
+          <a:prstGeom prst="rect">
+            <a:avLst/>
+          </a:prstGeom>
+          <a:noFill/>
+        </p:spPr>
+        <p:txBody>
+          <a:bodyPr wrap="none" rtlCol="0">
+            <a:spAutoFit/>
+          </a:bodyPr>
+          <a:lstStyle/>
+          <a:p>
+            <a:r>
+              <a:rPr lang="ru-RU" dirty="0" smtClean="0"/>
+              <a:t>Ограничение скорости:</a:t>
+            </a:r>
+            <a:endParaRPr lang="ru-RU" dirty="0"/>
+          </a:p>
+        </p:txBody>
+      </p:sp>
+      <p:sp>
+        <p:nvSpPr>
+          <p:cNvPr id="11" name="TextBox 10"/>
+          <p:cNvSpPr txBox="1"/>
+          <p:nvPr/>
+        </p:nvSpPr>
+        <p:spPr>
+          <a:xfrm>
+            <a:off x="8305800" y="6324600"/>
+            <a:ext cx="418704" cy="369332"/>
+          </a:xfrm>
+          <a:prstGeom prst="rect">
+            <a:avLst/>
+          </a:prstGeom>
+          <a:noFill/>
+        </p:spPr>
+        <p:txBody>
+          <a:bodyPr wrap="none" rtlCol="0">
+            <a:spAutoFit/>
+          </a:bodyPr>
+          <a:lstStyle/>
+          <a:p>
+            <a:r>
+              <a:rPr lang="ru-RU" dirty="0" smtClean="0"/>
+              <a:t>13</a:t>
+            </a:r>
+            <a:endParaRPr lang="ru-RU" dirty="0"/>
+          </a:p>
+        </p:txBody>
+      </p:sp>
+    </p:spTree>
+  </p:cSld>
+  <p:clrMapOvr>
+    <a:masterClrMapping/>
+  </p:clrMapOvr>
+</p:sld>
+</file>
+
+<file path=ppt/slides/slide14.xml><?xml version="1.0" encoding="utf-8"?>
+<p:sld xmlns:a="http://schemas.openxmlformats.org/drawingml/2006/main" xmlns:r="http://schemas.openxmlformats.org/officeDocument/2006/relationships" xmlns:p="http://schemas.openxmlformats.org/presentationml/2006/main">
+  <p:cSld>
+    <p:spTree>
+      <p:nvGrpSpPr>
+        <p:cNvPr id="1" name=""/>
+        <p:cNvGrpSpPr/>
+        <p:nvPr/>
+      </p:nvGrpSpPr>
+      <p:grpSpPr>
+        <a:xfrm>
+          <a:off x="0" y="0"/>
+          <a:ext cx="0" cy="0"/>
+          <a:chOff x="0" y="0"/>
+          <a:chExt cx="0" cy="0"/>
+        </a:xfrm>
+      </p:grpSpPr>
+      <p:sp>
+        <p:nvSpPr>
+          <p:cNvPr id="2" name="Заголовок 1"/>
+          <p:cNvSpPr>
+            <a:spLocks noGrp="1"/>
+          </p:cNvSpPr>
+          <p:nvPr>
+            <p:ph type="title"/>
+          </p:nvPr>
+        </p:nvSpPr>
+        <p:spPr/>
+        <p:txBody>
+          <a:bodyPr>
+            <a:normAutofit/>
+          </a:bodyPr>
+          <a:lstStyle/>
+          <a:p>
+            <a:r>
+              <a:rPr lang="ru-RU" dirty="0" smtClean="0"/>
+              <a:t>Графики с объекта. Режимы торможения.</a:t>
+            </a:r>
+            <a:endParaRPr lang="ru-RU" dirty="0"/>
+          </a:p>
+        </p:txBody>
+      </p:sp>
+      <p:pic>
+        <p:nvPicPr>
+          <p:cNvPr id="6146" name="Picture 2"/>
+          <p:cNvPicPr>
+            <a:picLocks noGrp="1" noChangeAspect="1" noChangeArrowheads="1"/>
+          </p:cNvPicPr>
+          <p:nvPr>
+            <p:ph sz="quarter" idx="1"/>
+          </p:nvPr>
+        </p:nvPicPr>
+        <p:blipFill>
+          <a:blip r:embed="rId2"/>
+          <a:srcRect/>
+          <a:stretch>
+            <a:fillRect/>
+          </a:stretch>
+        </p:blipFill>
+        <p:spPr bwMode="auto">
+          <a:xfrm>
+            <a:off x="304800" y="1524000"/>
+            <a:ext cx="4282762" cy="2438400"/>
+          </a:xfrm>
+          <a:prstGeom prst="rect">
+            <a:avLst/>
+          </a:prstGeom>
+          <a:noFill/>
+          <a:ln w="9525">
+            <a:noFill/>
+            <a:miter lim="800000"/>
+            <a:headEnd/>
+            <a:tailEnd/>
+          </a:ln>
+          <a:effectLst/>
+        </p:spPr>
+      </p:pic>
+      <p:pic>
+        <p:nvPicPr>
+          <p:cNvPr id="6147" name="Picture 3"/>
+          <p:cNvPicPr>
+            <a:picLocks noChangeAspect="1" noChangeArrowheads="1"/>
+          </p:cNvPicPr>
+          <p:nvPr/>
+        </p:nvPicPr>
+        <p:blipFill>
+          <a:blip r:embed="rId3"/>
+          <a:srcRect/>
+          <a:stretch>
+            <a:fillRect/>
+          </a:stretch>
+        </p:blipFill>
+        <p:spPr bwMode="auto">
+          <a:xfrm>
+            <a:off x="609600" y="3962400"/>
+            <a:ext cx="4038600" cy="2290844"/>
+          </a:xfrm>
+          <a:prstGeom prst="rect">
+            <a:avLst/>
+          </a:prstGeom>
+          <a:noFill/>
+          <a:ln w="9525">
+            <a:noFill/>
+            <a:miter lim="800000"/>
+            <a:headEnd/>
+            <a:tailEnd/>
+          </a:ln>
+          <a:effectLst/>
+        </p:spPr>
+      </p:pic>
+      <p:pic>
+        <p:nvPicPr>
+          <p:cNvPr id="6148" name="Picture 4"/>
+          <p:cNvPicPr>
+            <a:picLocks noChangeAspect="1" noChangeArrowheads="1"/>
+          </p:cNvPicPr>
+          <p:nvPr/>
+        </p:nvPicPr>
+        <p:blipFill>
+          <a:blip r:embed="rId4"/>
+          <a:srcRect/>
+          <a:stretch>
+            <a:fillRect/>
+          </a:stretch>
+        </p:blipFill>
+        <p:spPr bwMode="auto">
+          <a:xfrm>
+            <a:off x="4648200" y="3962400"/>
+            <a:ext cx="4142090" cy="2209800"/>
+          </a:xfrm>
+          <a:prstGeom prst="rect">
+            <a:avLst/>
+          </a:prstGeom>
+          <a:noFill/>
+          <a:ln w="9525">
+            <a:noFill/>
+            <a:miter lim="800000"/>
+            <a:headEnd/>
+            <a:tailEnd/>
+          </a:ln>
+          <a:effectLst/>
+        </p:spPr>
+      </p:pic>
+      <p:pic>
+        <p:nvPicPr>
+          <p:cNvPr id="6149" name="Picture 5"/>
+          <p:cNvPicPr>
+            <a:picLocks noChangeAspect="1" noChangeArrowheads="1"/>
+          </p:cNvPicPr>
+          <p:nvPr/>
+        </p:nvPicPr>
+        <p:blipFill>
+          <a:blip r:embed="rId5"/>
+          <a:srcRect/>
+          <a:stretch>
+            <a:fillRect/>
+          </a:stretch>
+        </p:blipFill>
+        <p:spPr bwMode="auto">
+          <a:xfrm>
+            <a:off x="4495800" y="1676400"/>
+            <a:ext cx="4233732" cy="2133600"/>
+          </a:xfrm>
+          <a:prstGeom prst="rect">
+            <a:avLst/>
+          </a:prstGeom>
+          <a:noFill/>
+          <a:ln w="9525">
+            <a:noFill/>
+            <a:miter lim="800000"/>
+            <a:headEnd/>
+            <a:tailEnd/>
+          </a:ln>
+          <a:effectLst/>
+        </p:spPr>
+      </p:pic>
+      <p:sp>
+        <p:nvSpPr>
+          <p:cNvPr id="9" name="TextBox 8"/>
+          <p:cNvSpPr txBox="1"/>
+          <p:nvPr/>
+        </p:nvSpPr>
+        <p:spPr>
+          <a:xfrm>
+            <a:off x="8305800" y="6324600"/>
+            <a:ext cx="418704" cy="369332"/>
+          </a:xfrm>
+          <a:prstGeom prst="rect">
+            <a:avLst/>
+          </a:prstGeom>
+          <a:noFill/>
+        </p:spPr>
+        <p:txBody>
+          <a:bodyPr wrap="none" rtlCol="0">
+            <a:spAutoFit/>
+          </a:bodyPr>
+          <a:lstStyle/>
+          <a:p>
+            <a:r>
+              <a:rPr lang="ru-RU" dirty="0" smtClean="0"/>
+              <a:t>14</a:t>
+            </a:r>
+            <a:endParaRPr lang="ru-RU" dirty="0"/>
+          </a:p>
+        </p:txBody>
+      </p:sp>
+    </p:spTree>
+  </p:cSld>
+  <p:clrMapOvr>
+    <a:masterClrMapping/>
+  </p:clrMapOvr>
+</p:sld>
+</file>
+
+<file path=ppt/slides/slide15.xml><?xml version="1.0" encoding="utf-8"?>
+<p:sld xmlns:a="http://schemas.openxmlformats.org/drawingml/2006/main" xmlns:r="http://schemas.openxmlformats.org/officeDocument/2006/relationships" xmlns:p="http://schemas.openxmlformats.org/presentationml/2006/main">
+  <p:cSld>
+    <p:spTree>
+      <p:nvGrpSpPr>
+        <p:cNvPr id="1" name=""/>
+        <p:cNvGrpSpPr/>
+        <p:nvPr/>
+      </p:nvGrpSpPr>
+      <p:grpSpPr>
+        <a:xfrm>
+          <a:off x="0" y="0"/>
+          <a:ext cx="0" cy="0"/>
+          <a:chOff x="0" y="0"/>
+          <a:chExt cx="0" cy="0"/>
+        </a:xfrm>
+      </p:grpSpPr>
+      <p:sp>
+        <p:nvSpPr>
+          <p:cNvPr id="3" name="Заголовок 2"/>
+          <p:cNvSpPr>
+            <a:spLocks noGrp="1"/>
+          </p:cNvSpPr>
+          <p:nvPr>
+            <p:ph type="title"/>
+          </p:nvPr>
+        </p:nvSpPr>
+        <p:spPr/>
+        <p:txBody>
+          <a:bodyPr>
+            <a:normAutofit/>
+          </a:bodyPr>
+          <a:lstStyle/>
+          <a:p>
+            <a:r>
+              <a:rPr lang="ru-RU" dirty="0" smtClean="0">
+                <a:solidFill>
+                  <a:schemeClr val="tx1"/>
+                </a:solidFill>
+                <a:latin typeface="Times New Roman" pitchFamily="18" charset="0"/>
+                <a:cs typeface="Times New Roman" pitchFamily="18" charset="0"/>
+              </a:rPr>
+              <a:t>Заключение</a:t>
+            </a:r>
+            <a:endParaRPr lang="ru-RU" dirty="0">
+              <a:solidFill>
+                <a:schemeClr val="tx1"/>
+              </a:solidFill>
+              <a:latin typeface="Times New Roman" pitchFamily="18" charset="0"/>
+              <a:cs typeface="Times New Roman" pitchFamily="18" charset="0"/>
+            </a:endParaRPr>
+          </a:p>
+        </p:txBody>
+      </p:sp>
+      <p:sp>
+        <p:nvSpPr>
+          <p:cNvPr id="2" name="Содержимое 1"/>
+          <p:cNvSpPr>
+            <a:spLocks noGrp="1"/>
+          </p:cNvSpPr>
+          <p:nvPr>
+            <p:ph sz="quarter" idx="1"/>
+          </p:nvPr>
+        </p:nvSpPr>
+        <p:spPr>
+          <a:xfrm>
+            <a:off x="457200" y="1447800"/>
+            <a:ext cx="8229600" cy="4572000"/>
+          </a:xfrm>
+        </p:spPr>
+        <p:txBody>
+          <a:bodyPr>
+            <a:normAutofit/>
+          </a:bodyPr>
+          <a:lstStyle/>
+          <a:p>
+            <a:pPr>
+              <a:buFont typeface="Arial" pitchFamily="34" charset="0"/>
+              <a:buChar char="•"/>
+            </a:pPr>
+            <a:r>
+              <a:rPr lang="ru-RU" dirty="0" smtClean="0"/>
+              <a:t>Разработана СУ управления карьерным самосвалом, отвечающая требованиям заказчика.</a:t>
+            </a:r>
+          </a:p>
+          <a:p>
+            <a:pPr>
+              <a:buFont typeface="Arial" pitchFamily="34" charset="0"/>
+              <a:buChar char="•"/>
+            </a:pPr>
+            <a:r>
+              <a:rPr lang="ru-RU" dirty="0" smtClean="0"/>
+              <a:t>Проведены успешные эксперименты в математическом пакете.</a:t>
+            </a:r>
+          </a:p>
+          <a:p>
+            <a:pPr>
+              <a:buFont typeface="Arial" pitchFamily="34" charset="0"/>
+              <a:buChar char="•"/>
+            </a:pPr>
+            <a:r>
+              <a:rPr lang="ru-RU" dirty="0" smtClean="0"/>
+              <a:t>Успешно окончены пуско-наладочные работы по внедрению данной системы </a:t>
+            </a:r>
+            <a:r>
+              <a:rPr lang="ru-RU" dirty="0" smtClean="0"/>
+              <a:t>управления в объект исследования.</a:t>
+            </a:r>
+          </a:p>
+          <a:p>
+            <a:pPr>
+              <a:buFont typeface="Arial" pitchFamily="34" charset="0"/>
+              <a:buChar char="•"/>
+            </a:pPr>
+            <a:r>
+              <a:rPr lang="ru-RU" dirty="0" smtClean="0"/>
+              <a:t>Рассмотрены специальные вопросы обеспечения </a:t>
+            </a:r>
+            <a:r>
+              <a:rPr lang="ru-RU" dirty="0" err="1" smtClean="0"/>
+              <a:t>базопасности</a:t>
+            </a:r>
+            <a:r>
+              <a:rPr lang="ru-RU" dirty="0" smtClean="0"/>
+              <a:t>.</a:t>
+            </a:r>
+            <a:endParaRPr lang="ru-RU" dirty="0" smtClean="0"/>
+          </a:p>
+          <a:p>
+            <a:pPr>
+              <a:buNone/>
+            </a:pPr>
+            <a:endParaRPr lang="ru-RU" dirty="0" smtClean="0"/>
+          </a:p>
+          <a:p>
+            <a:pPr>
+              <a:buFont typeface="Arial" pitchFamily="34" charset="0"/>
+              <a:buChar char="•"/>
+            </a:pPr>
+            <a:endParaRPr lang="ru-RU" dirty="0"/>
+          </a:p>
+        </p:txBody>
+      </p:sp>
+      <p:sp>
+        <p:nvSpPr>
+          <p:cNvPr id="4" name="TextBox 3"/>
+          <p:cNvSpPr txBox="1"/>
+          <p:nvPr/>
+        </p:nvSpPr>
+        <p:spPr>
+          <a:xfrm>
+            <a:off x="8305800" y="6324600"/>
+            <a:ext cx="418704" cy="369332"/>
+          </a:xfrm>
+          <a:prstGeom prst="rect">
+            <a:avLst/>
+          </a:prstGeom>
+          <a:noFill/>
+        </p:spPr>
+        <p:txBody>
+          <a:bodyPr wrap="none" rtlCol="0">
+            <a:spAutoFit/>
+          </a:bodyPr>
+          <a:lstStyle/>
+          <a:p>
+            <a:r>
+              <a:rPr lang="ru-RU" dirty="0" smtClean="0"/>
+              <a:t>15</a:t>
+            </a:r>
+            <a:endParaRPr lang="ru-RU" dirty="0"/>
+          </a:p>
+        </p:txBody>
+      </p:sp>
+    </p:spTree>
+  </p:cSld>
+  <p:clrMapOvr>
+    <a:masterClrMapping/>
+  </p:clrMapOvr>
+  <p:timing>
+    <p:tnLst>
+      <p:par>
+        <p:cTn id="1" dur="indefinite" restart="never" nodeType="tmRoot"/>
+      </p:par>
+    </p:tnLst>
+  </p:timing>
+</p:sld>
+</file>
+
+<file path=ppt/slides/slide16.xml><?xml version="1.0" encoding="utf-8"?>
+<p:sld xmlns:a="http://schemas.openxmlformats.org/drawingml/2006/main" xmlns:r="http://schemas.openxmlformats.org/officeDocument/2006/relationships" xmlns:p="http://schemas.openxmlformats.org/presentationml/2006/main">
+  <p:cSld>
+    <p:spTree>
+      <p:nvGrpSpPr>
+        <p:cNvPr id="1" name=""/>
+        <p:cNvGrpSpPr/>
+        <p:nvPr/>
+      </p:nvGrpSpPr>
+      <p:grpSpPr>
+        <a:xfrm>
+          <a:off x="0" y="0"/>
+          <a:ext cx="0" cy="0"/>
+          <a:chOff x="0" y="0"/>
+          <a:chExt cx="0" cy="0"/>
+        </a:xfrm>
+      </p:grpSpPr>
+      <p:sp>
+        <p:nvSpPr>
+          <p:cNvPr id="2" name="Заголовок 1"/>
+          <p:cNvSpPr>
+            <a:spLocks noGrp="1"/>
+          </p:cNvSpPr>
+          <p:nvPr>
+            <p:ph type="title"/>
+          </p:nvPr>
+        </p:nvSpPr>
+        <p:spPr>
+          <a:xfrm>
+            <a:off x="457200" y="2971800"/>
+            <a:ext cx="8229600" cy="990600"/>
+          </a:xfrm>
+        </p:spPr>
+        <p:txBody>
+          <a:bodyPr/>
+          <a:lstStyle/>
+          <a:p>
+            <a:pPr algn="ctr"/>
+            <a:r>
+              <a:rPr lang="ru-RU" dirty="0" smtClean="0"/>
+              <a:t>Благодарю за внимание!</a:t>
+            </a:r>
+            <a:endParaRPr lang="ru-RU" dirty="0"/>
+          </a:p>
+        </p:txBody>
+      </p:sp>
+    </p:spTree>
+  </p:cSld>
+  <p:clrMapOvr>
+    <a:masterClrMapping/>
+  </p:clrMapOvr>
 </p:sld>
 </file>
 
@@ -4156,54 +5679,8 @@
                 <a:latin typeface="Times New Roman" pitchFamily="18" charset="0"/>
                 <a:cs typeface="Times New Roman" pitchFamily="18" charset="0"/>
               </a:rPr>
-              <a:t>	</a:t>
-            </a:r>
-            <a:r>
-              <a:rPr lang="ru-RU" sz="2400" dirty="0" smtClean="0">
-                <a:latin typeface="Times New Roman" pitchFamily="18" charset="0"/>
-                <a:cs typeface="Times New Roman" pitchFamily="18" charset="0"/>
-              </a:rPr>
-              <a:t>Разработка </a:t>
-            </a:r>
-            <a:r>
-              <a:rPr lang="ru-RU" sz="2400" dirty="0" smtClean="0">
-                <a:latin typeface="Times New Roman" pitchFamily="18" charset="0"/>
-                <a:cs typeface="Times New Roman" pitchFamily="18" charset="0"/>
-              </a:rPr>
-              <a:t>и исследование </a:t>
-            </a:r>
-            <a:r>
-              <a:rPr lang="ru-RU" sz="2400" dirty="0" smtClean="0">
-                <a:latin typeface="Times New Roman" pitchFamily="18" charset="0"/>
-                <a:cs typeface="Times New Roman" pitchFamily="18" charset="0"/>
-              </a:rPr>
-              <a:t>системы управления тяговым асинхронным </a:t>
-            </a:r>
-            <a:r>
-              <a:rPr lang="ru-RU" sz="2400" dirty="0" smtClean="0">
-                <a:latin typeface="Times New Roman" pitchFamily="18" charset="0"/>
-                <a:cs typeface="Times New Roman" pitchFamily="18" charset="0"/>
-              </a:rPr>
-              <a:t>электроприводом с использованием </a:t>
-            </a:r>
-            <a:r>
-              <a:rPr lang="ru-RU" sz="2400" dirty="0" smtClean="0">
-                <a:latin typeface="Times New Roman" pitchFamily="18" charset="0"/>
-                <a:cs typeface="Times New Roman" pitchFamily="18" charset="0"/>
-              </a:rPr>
-              <a:t>алгоритмов </a:t>
-            </a:r>
-            <a:r>
-              <a:rPr lang="ru-RU" sz="2400" dirty="0" smtClean="0">
-                <a:latin typeface="Times New Roman" pitchFamily="18" charset="0"/>
-                <a:cs typeface="Times New Roman" pitchFamily="18" charset="0"/>
-              </a:rPr>
-              <a:t>векторной ШИМ</a:t>
-            </a:r>
-            <a:endParaRPr lang="ru-RU" sz="2400" dirty="0" smtClean="0">
-              <a:latin typeface="Times New Roman" pitchFamily="18" charset="0"/>
-              <a:cs typeface="Times New Roman" pitchFamily="18" charset="0"/>
-            </a:endParaRPr>
+              <a:t>	Разработка и исследование системы управления тяговым асинхронным электроприводом с использованием алгоритмов векторной ШИМ</a:t>
+            </a:r>
           </a:p>
           <a:p>
             <a:pPr>
@@ -4227,14 +5704,20 @@
                 <a:latin typeface="Times New Roman" pitchFamily="18" charset="0"/>
                 <a:cs typeface="Times New Roman" pitchFamily="18" charset="0"/>
               </a:rPr>
-              <a:t>Изучение объекта </a:t>
-            </a:r>
+              <a:t>Изучение объекта исследования</a:t>
+            </a:r>
+          </a:p>
+          <a:p>
+            <a:pPr>
+              <a:buFont typeface="Arial" pitchFamily="34" charset="0"/>
+              <a:buChar char="•"/>
+            </a:pPr>
             <a:r>
               <a:rPr lang="ru-RU" sz="2400" dirty="0" smtClean="0">
                 <a:latin typeface="Times New Roman" pitchFamily="18" charset="0"/>
                 <a:cs typeface="Times New Roman" pitchFamily="18" charset="0"/>
               </a:rPr>
-              <a:t>исследования</a:t>
+              <a:t>Исследование алгоритма формирования сигналов с использованием векторной ШИМ</a:t>
             </a:r>
           </a:p>
           <a:p>
@@ -4247,88 +5730,33 @@
                 <a:latin typeface="Times New Roman" pitchFamily="18" charset="0"/>
                 <a:cs typeface="Times New Roman" pitchFamily="18" charset="0"/>
               </a:rPr>
-              <a:t>Исследование </a:t>
-            </a:r>
+              <a:t>Разработка структурной схемы системы управления электроприводом</a:t>
+            </a:r>
+          </a:p>
+          <a:p>
+            <a:pPr>
+              <a:buFont typeface="Arial" pitchFamily="34" charset="0"/>
+              <a:buChar char="•"/>
+            </a:pPr>
             <a:r>
               <a:rPr lang="ru-RU" sz="2400" dirty="0" smtClean="0">
                 <a:latin typeface="Times New Roman" pitchFamily="18" charset="0"/>
                 <a:cs typeface="Times New Roman" pitchFamily="18" charset="0"/>
               </a:rPr>
-              <a:t>алгоритма формирования сигналов с </a:t>
-            </a:r>
+              <a:t>Разработка алгоритмов работы электропривода</a:t>
+            </a:r>
+          </a:p>
+          <a:p>
+            <a:pPr>
+              <a:buFont typeface="Arial" pitchFamily="34" charset="0"/>
+              <a:buChar char="•"/>
+            </a:pPr>
             <a:r>
               <a:rPr lang="ru-RU" sz="2400" dirty="0" smtClean="0">
                 <a:latin typeface="Times New Roman" pitchFamily="18" charset="0"/>
                 <a:cs typeface="Times New Roman" pitchFamily="18" charset="0"/>
               </a:rPr>
-              <a:t>использованием векторной ШИМ</a:t>
-            </a:r>
-          </a:p>
-          <a:p>
-            <a:pPr>
-              <a:buFont typeface="Arial" pitchFamily="34" charset="0"/>
-              <a:buChar char="•"/>
-            </a:pPr>
-            <a:r>
-              <a:rPr lang="ru-RU" sz="2400" dirty="0" smtClean="0">
-                <a:latin typeface="Times New Roman" pitchFamily="18" charset="0"/>
-                <a:cs typeface="Times New Roman" pitchFamily="18" charset="0"/>
-              </a:rPr>
-              <a:t>Разработка структурной схемы системы управления </a:t>
-            </a:r>
-            <a:r>
-              <a:rPr lang="ru-RU" sz="2400" dirty="0" smtClean="0">
-                <a:latin typeface="Times New Roman" pitchFamily="18" charset="0"/>
-                <a:cs typeface="Times New Roman" pitchFamily="18" charset="0"/>
-              </a:rPr>
-              <a:t>электроприводом</a:t>
-            </a:r>
-          </a:p>
-          <a:p>
-            <a:pPr>
-              <a:buFont typeface="Arial" pitchFamily="34" charset="0"/>
-              <a:buChar char="•"/>
-            </a:pPr>
-            <a:r>
-              <a:rPr lang="ru-RU" sz="2400" dirty="0" smtClean="0">
-                <a:latin typeface="Times New Roman" pitchFamily="18" charset="0"/>
-                <a:cs typeface="Times New Roman" pitchFamily="18" charset="0"/>
-              </a:rPr>
-              <a:t>Разработка алгоритмов </a:t>
-            </a:r>
-            <a:r>
-              <a:rPr lang="ru-RU" sz="2400" dirty="0" smtClean="0">
-                <a:latin typeface="Times New Roman" pitchFamily="18" charset="0"/>
-                <a:cs typeface="Times New Roman" pitchFamily="18" charset="0"/>
-              </a:rPr>
-              <a:t>работы </a:t>
-            </a:r>
-            <a:r>
-              <a:rPr lang="ru-RU" sz="2400" dirty="0" smtClean="0">
-                <a:latin typeface="Times New Roman" pitchFamily="18" charset="0"/>
-                <a:cs typeface="Times New Roman" pitchFamily="18" charset="0"/>
-              </a:rPr>
-              <a:t>электропривода</a:t>
-            </a:r>
-          </a:p>
-          <a:p>
-            <a:pPr>
-              <a:buFont typeface="Arial" pitchFamily="34" charset="0"/>
-              <a:buChar char="•"/>
-            </a:pPr>
-            <a:r>
-              <a:rPr lang="ru-RU" sz="2400" dirty="0" smtClean="0">
-                <a:latin typeface="Times New Roman" pitchFamily="18" charset="0"/>
-                <a:cs typeface="Times New Roman" pitchFamily="18" charset="0"/>
-              </a:rPr>
-              <a:t>Моделирование разработанной </a:t>
-            </a:r>
-            <a:r>
-              <a:rPr lang="ru-RU" sz="2400" dirty="0" smtClean="0">
-                <a:latin typeface="Times New Roman" pitchFamily="18" charset="0"/>
-                <a:cs typeface="Times New Roman" pitchFamily="18" charset="0"/>
-              </a:rPr>
-              <a:t>системы</a:t>
+              <a:t>Моделирование разработанной системы</a:t>
             </a:r>
           </a:p>
           <a:p>
@@ -4343,10 +5771,6 @@
               </a:rPr>
               <a:t>Проверка разработанных алгоритмов на объекте исследования</a:t>
             </a:r>
-            <a:endParaRPr lang="ru-RU" sz="2400" dirty="0" smtClean="0">
-              <a:latin typeface="Times New Roman" pitchFamily="18" charset="0"/>
-              <a:cs typeface="Times New Roman" pitchFamily="18" charset="0"/>
-            </a:endParaRPr>
           </a:p>
           <a:p>
             <a:pPr>
@@ -4415,6 +5839,13 @@
   <p:clrMapOvr>
     <a:masterClrMapping/>
   </p:clrMapOvr>
+  <p:timing>
+    <p:tnLst>
+      <p:par>
+        <p:cTn id="1" dur="indefinite" restart="never" nodeType="tmRoot"/>
+      </p:par>
+    </p:tnLst>
+  </p:timing>
 </p:sld>
 </file>
 
@@ -4485,19 +5916,7 @@
             </a:r>
             <a:r>
               <a:rPr lang="ru-RU" dirty="0" smtClean="0"/>
-              <a:t> 75711, </a:t>
-            </a:r>
-            <a:r>
-              <a:rPr lang="ru-RU" dirty="0" smtClean="0"/>
-              <a:t>грузоподъемностью </a:t>
-            </a:r>
-            <a:r>
-              <a:rPr lang="ru-RU" dirty="0" smtClean="0"/>
-              <a:t>450 </a:t>
-            </a:r>
-            <a:r>
-              <a:rPr lang="ru-RU" dirty="0" smtClean="0"/>
-              <a:t>тонн</a:t>
+              <a:t> 75711, грузоподъемностью 450 тонн</a:t>
             </a:r>
           </a:p>
           <a:p>
@@ -4535,11 +5954,48 @@
           </a:ln>
         </p:spPr>
       </p:pic>
+      <p:sp>
+        <p:nvSpPr>
+          <p:cNvPr id="5" name="TextBox 4"/>
+          <p:cNvSpPr txBox="1"/>
+          <p:nvPr/>
+        </p:nvSpPr>
+        <p:spPr>
+          <a:xfrm>
+            <a:off x="8305800" y="6324600"/>
+            <a:ext cx="301686" cy="369332"/>
+          </a:xfrm>
+          <a:prstGeom prst="rect">
+            <a:avLst/>
+          </a:prstGeom>
+          <a:noFill/>
+        </p:spPr>
+        <p:txBody>
+          <a:bodyPr wrap="none" rtlCol="0">
+            <a:spAutoFit/>
+          </a:bodyPr>
+          <a:lstStyle/>
+          <a:p>
+            <a:r>
+              <a:rPr lang="ru-RU" dirty="0" smtClean="0"/>
+              <a:t>3</a:t>
+            </a:r>
+            <a:endParaRPr lang="ru-RU" dirty="0"/>
+          </a:p>
+        </p:txBody>
+      </p:sp>
     </p:spTree>
   </p:cSld>
   <p:clrMapOvr>
     <a:masterClrMapping/>
   </p:clrMapOvr>
+  <p:timing>
+    <p:tnLst>
+      <p:par>
+        <p:cTn id="1" dur="indefinite" restart="never" nodeType="tmRoot"/>
+      </p:par>
+    </p:tnLst>
+  </p:timing>
 </p:sld>
 </file>
 
@@ -4609,11 +6065,48 @@
           </a:prstGeom>
         </p:spPr>
       </p:pic>
+      <p:sp>
+        <p:nvSpPr>
+          <p:cNvPr id="5" name="TextBox 4"/>
+          <p:cNvSpPr txBox="1"/>
+          <p:nvPr/>
+        </p:nvSpPr>
+        <p:spPr>
+          <a:xfrm>
+            <a:off x="8305800" y="6324600"/>
+            <a:ext cx="301686" cy="369332"/>
+          </a:xfrm>
+          <a:prstGeom prst="rect">
+            <a:avLst/>
+          </a:prstGeom>
+          <a:noFill/>
+        </p:spPr>
+        <p:txBody>
+          <a:bodyPr wrap="none" rtlCol="0">
+            <a:spAutoFit/>
+          </a:bodyPr>
+          <a:lstStyle/>
+          <a:p>
+            <a:r>
+              <a:rPr lang="ru-RU" dirty="0" smtClean="0"/>
+              <a:t>4</a:t>
+            </a:r>
+            <a:endParaRPr lang="ru-RU" dirty="0"/>
+          </a:p>
+        </p:txBody>
+      </p:sp>
     </p:spTree>
   </p:cSld>
   <p:clrMapOvr>
     <a:masterClrMapping/>
   </p:clrMapOvr>
+  <p:timing>
+    <p:tnLst>
+      <p:par>
+        <p:cTn id="1" dur="indefinite" restart="never" nodeType="tmRoot"/>
+      </p:par>
+    </p:tnLst>
+  </p:timing>
 </p:sld>
 </file>
 
@@ -4753,11 +6246,48 @@
           </a:ln>
         </p:spPr>
       </p:pic>
+      <p:sp>
+        <p:nvSpPr>
+          <p:cNvPr id="7" name="TextBox 6"/>
+          <p:cNvSpPr txBox="1"/>
+          <p:nvPr/>
+        </p:nvSpPr>
+        <p:spPr>
+          <a:xfrm>
+            <a:off x="8305800" y="6324600"/>
+            <a:ext cx="301686" cy="369332"/>
+          </a:xfrm>
+          <a:prstGeom prst="rect">
+            <a:avLst/>
+          </a:prstGeom>
+          <a:noFill/>
+        </p:spPr>
+        <p:txBody>
+          <a:bodyPr wrap="none" rtlCol="0">
+            <a:spAutoFit/>
+          </a:bodyPr>
+          <a:lstStyle/>
+          <a:p>
+            <a:r>
+              <a:rPr lang="ru-RU" dirty="0" smtClean="0"/>
+              <a:t>5</a:t>
+            </a:r>
+            <a:endParaRPr lang="ru-RU" dirty="0"/>
+          </a:p>
+        </p:txBody>
+      </p:sp>
     </p:spTree>
   </p:cSld>
   <p:clrMapOvr>
     <a:masterClrMapping/>
   </p:clrMapOvr>
+  <p:timing>
+    <p:tnLst>
+      <p:par>
+        <p:cTn id="1" dur="indefinite" restart="never" nodeType="tmRoot"/>
+      </p:par>
+    </p:tnLst>
+  </p:timing>
 </p:sld>
 </file>
 
@@ -4904,11 +6434,48 @@
           <a:effectLst/>
         </p:spPr>
       </p:pic>
+      <p:sp>
+        <p:nvSpPr>
+          <p:cNvPr id="6" name="TextBox 5"/>
+          <p:cNvSpPr txBox="1"/>
+          <p:nvPr/>
+        </p:nvSpPr>
+        <p:spPr>
+          <a:xfrm>
+            <a:off x="8305800" y="6324600"/>
+            <a:ext cx="301686" cy="369332"/>
+          </a:xfrm>
+          <a:prstGeom prst="rect">
+            <a:avLst/>
+          </a:prstGeom>
+          <a:noFill/>
+        </p:spPr>
+        <p:txBody>
+          <a:bodyPr wrap="none" rtlCol="0">
+            <a:spAutoFit/>
+          </a:bodyPr>
+          <a:lstStyle/>
+          <a:p>
+            <a:r>
+              <a:rPr lang="ru-RU" dirty="0" smtClean="0"/>
+              <a:t>6</a:t>
+            </a:r>
+            <a:endParaRPr lang="ru-RU" dirty="0"/>
+          </a:p>
+        </p:txBody>
+      </p:sp>
     </p:spTree>
   </p:cSld>
   <p:clrMapOvr>
     <a:masterClrMapping/>
   </p:clrMapOvr>
+  <p:timing>
+    <p:tnLst>
+      <p:par>
+        <p:cTn id="1" dur="indefinite" restart="never" nodeType="tmRoot"/>
+      </p:par>
+    </p:tnLst>
+  </p:timing>
 </p:sld>
 </file>
 
@@ -4931,7 +6498,7 @@
       </p:grpSpPr>
       <p:sp>
         <p:nvSpPr>
-          <p:cNvPr id="3" name="Заголовок 2"/>
+          <p:cNvPr id="2" name="Заголовок 1"/>
           <p:cNvSpPr>
             <a:spLocks noGrp="1"/>
           </p:cNvSpPr>
@@ -4941,110 +6508,53 @@
         </p:nvSpPr>
         <p:spPr/>
         <p:txBody>
-          <a:bodyPr>
-            <a:normAutofit/>
-          </a:bodyPr>
-          <a:lstStyle/>
-          <a:p>
-            <a:r>
-              <a:rPr lang="ru-RU" dirty="0" smtClean="0">
-                <a:solidFill>
-                  <a:schemeClr val="tx1"/>
-                </a:solidFill>
-                <a:latin typeface="Times New Roman" pitchFamily="18" charset="0"/>
-                <a:cs typeface="Times New Roman" pitchFamily="18" charset="0"/>
-              </a:rPr>
-              <a:t>Заключение</a:t>
-            </a:r>
-            <a:endParaRPr lang="ru-RU" dirty="0">
-              <a:solidFill>
-                <a:schemeClr val="tx1"/>
-              </a:solidFill>
-              <a:latin typeface="Times New Roman" pitchFamily="18" charset="0"/>
-              <a:cs typeface="Times New Roman" pitchFamily="18" charset="0"/>
-            </a:endParaRPr>
-          </a:p>
-        </p:txBody>
-      </p:sp>
-      <p:sp>
-        <p:nvSpPr>
-          <p:cNvPr id="2" name="Содержимое 1"/>
-          <p:cNvSpPr>
-            <a:spLocks noGrp="1"/>
-          </p:cNvSpPr>
+          <a:bodyPr/>
+          <a:lstStyle/>
+          <a:p>
+            <a:r>
+              <a:rPr lang="ru-RU" dirty="0" smtClean="0"/>
+              <a:t>Структурная схема СУ.</a:t>
+            </a:r>
+            <a:endParaRPr lang="ru-RU" dirty="0"/>
+          </a:p>
+        </p:txBody>
+      </p:sp>
+      <p:pic>
+        <p:nvPicPr>
+          <p:cNvPr id="4" name="Содержимое 3"/>
+          <p:cNvPicPr>
+            <a:picLocks noGrp="1"/>
+          </p:cNvPicPr>
           <p:nvPr>
             <p:ph sz="quarter" idx="1"/>
           </p:nvPr>
-        </p:nvSpPr>
-        <p:spPr>
-          <a:xfrm>
-            <a:off x="457200" y="1447800"/>
-            <a:ext cx="8229600" cy="4572000"/>
-          </a:xfrm>
-        </p:spPr>
-        <p:txBody>
-          <a:bodyPr>
-            <a:normAutofit/>
-          </a:bodyPr>
-          <a:lstStyle/>
-          <a:p>
-            <a:pPr>
-              <a:buFont typeface="Arial" pitchFamily="34" charset="0"/>
-              <a:buChar char="•"/>
-            </a:pPr>
-            <a:r>
-              <a:rPr lang="ru-RU" dirty="0" smtClean="0">
-                <a:latin typeface="Times New Roman" pitchFamily="18" charset="0"/>
-                <a:cs typeface="Times New Roman" pitchFamily="18" charset="0"/>
-              </a:rPr>
-              <a:t>Разработана система управления вентиляцией силового шкафа карьерного самосвала</a:t>
-            </a:r>
-          </a:p>
-          <a:p>
-            <a:pPr>
-              <a:buFont typeface="Arial" pitchFamily="34" charset="0"/>
-              <a:buChar char="•"/>
-            </a:pPr>
-            <a:r>
-              <a:rPr lang="ru-RU" dirty="0" smtClean="0">
-                <a:latin typeface="Times New Roman" pitchFamily="18" charset="0"/>
-                <a:cs typeface="Times New Roman" pitchFamily="18" charset="0"/>
-              </a:rPr>
-              <a:t>При внедрении предложенного способа охлаждения ожидается уменьшение энергопотребления за счет наличия обратной связи по температуре кристалла транзистора, а так же обеспечение более качественного охлаждения транзисторов</a:t>
-            </a:r>
-          </a:p>
-          <a:p>
-            <a:pPr>
-              <a:buFont typeface="Arial" pitchFamily="34" charset="0"/>
-              <a:buChar char="•"/>
-            </a:pPr>
-            <a:endParaRPr lang="ru-RU" dirty="0" smtClean="0"/>
-          </a:p>
-          <a:p>
-            <a:pPr>
-              <a:buNone/>
-            </a:pPr>
-            <a:endParaRPr lang="ru-RU" dirty="0" smtClean="0"/>
-          </a:p>
-          <a:p>
-            <a:pPr>
-              <a:buFont typeface="Arial" pitchFamily="34" charset="0"/>
-              <a:buChar char="•"/>
-            </a:pPr>
-            <a:endParaRPr lang="ru-RU" dirty="0"/>
-          </a:p>
-        </p:txBody>
-      </p:sp>
-      <p:sp>
-        <p:nvSpPr>
-          <p:cNvPr id="4" name="TextBox 3"/>
+        </p:nvPicPr>
+        <p:blipFill>
+          <a:blip r:embed="rId2" cstate="print"/>
+          <a:stretch>
+            <a:fillRect/>
+          </a:stretch>
+        </p:blipFill>
+        <p:spPr>
+          <a:xfrm>
+            <a:off x="609600" y="1371600"/>
+            <a:ext cx="8001000" cy="4724400"/>
+          </a:xfrm>
+          <a:prstGeom prst="rect">
+            <a:avLst/>
+          </a:prstGeom>
+        </p:spPr>
+      </p:pic>
+      <p:sp>
+        <p:nvSpPr>
+          <p:cNvPr id="5" name="TextBox 4"/>
           <p:cNvSpPr txBox="1"/>
           <p:nvPr/>
         </p:nvSpPr>
         <p:spPr>
           <a:xfrm>
             <a:off x="8305800" y="6324600"/>
-            <a:ext cx="418704" cy="369332"/>
+            <a:ext cx="301686" cy="369332"/>
           </a:xfrm>
           <a:prstGeom prst="rect">
             <a:avLst/>
@@ -5059,7 +6569,7 @@
           <a:p>
             <a:r>
               <a:rPr lang="ru-RU" dirty="0" smtClean="0"/>
-              <a:t>16</a:t>
+              <a:t>7</a:t>
             </a:r>
             <a:endParaRPr lang="ru-RU" dirty="0"/>
           </a:p>
@@ -5070,6 +6580,13 @@
   <p:clrMapOvr>
     <a:masterClrMapping/>
   </p:clrMapOvr>
+  <p:timing>
+    <p:tnLst>
+      <p:par>
+        <p:cTn id="1" dur="indefinite" restart="never" nodeType="tmRoot"/>
+      </p:par>
+    </p:tnLst>
+  </p:timing>
 </p:sld>
 </file>
 
@@ -5100,20 +6617,259 @@
             <p:ph type="title"/>
           </p:nvPr>
         </p:nvSpPr>
-        <p:spPr>
-          <a:xfrm>
-            <a:off x="457200" y="2971800"/>
-            <a:ext cx="8229600" cy="990600"/>
-          </a:xfrm>
-        </p:spPr>
+        <p:spPr/>
         <p:txBody>
           <a:bodyPr/>
           <a:lstStyle/>
           <a:p>
-            <a:pPr algn="ctr"/>
             <a:r>
               <a:rPr lang="ru-RU" dirty="0" smtClean="0"/>
-              <a:t>Благодарю за внимание!</a:t>
+              <a:t>Расчёт </a:t>
+            </a:r>
+            <a:r>
+              <a:rPr lang="en-US" dirty="0" smtClean="0"/>
+              <a:t>d/q </a:t>
+            </a:r>
+            <a:r>
+              <a:rPr lang="ru-RU" dirty="0" smtClean="0"/>
+              <a:t>составляющих тока статора.</a:t>
+            </a:r>
+            <a:endParaRPr lang="ru-RU" dirty="0"/>
+          </a:p>
+        </p:txBody>
+      </p:sp>
+      <p:pic>
+        <p:nvPicPr>
+          <p:cNvPr id="4" name="Содержимое 3"/>
+          <p:cNvPicPr>
+            <a:picLocks noGrp="1"/>
+          </p:cNvPicPr>
+          <p:nvPr>
+            <p:ph sz="quarter" idx="1"/>
+          </p:nvPr>
+        </p:nvPicPr>
+        <p:blipFill>
+          <a:blip r:embed="rId2" cstate="print"/>
+          <a:stretch>
+            <a:fillRect/>
+          </a:stretch>
+        </p:blipFill>
+        <p:spPr>
+          <a:xfrm>
+            <a:off x="1143000" y="1295400"/>
+            <a:ext cx="7162800" cy="2438400"/>
+          </a:xfrm>
+          <a:prstGeom prst="rect">
+            <a:avLst/>
+          </a:prstGeom>
+        </p:spPr>
+      </p:pic>
+      <p:pic>
+        <p:nvPicPr>
+          <p:cNvPr id="6" name="Рисунок 5"/>
+          <p:cNvPicPr/>
+          <p:nvPr/>
+        </p:nvPicPr>
+        <p:blipFill>
+          <a:blip r:embed="rId3" cstate="print"/>
+          <a:stretch>
+            <a:fillRect/>
+          </a:stretch>
+        </p:blipFill>
+        <p:spPr>
+          <a:xfrm>
+            <a:off x="1143000" y="3657600"/>
+            <a:ext cx="7162800" cy="2590800"/>
+          </a:xfrm>
+          <a:prstGeom prst="rect">
+            <a:avLst/>
+          </a:prstGeom>
+        </p:spPr>
+      </p:pic>
+      <p:sp>
+        <p:nvSpPr>
+          <p:cNvPr id="7" name="TextBox 6"/>
+          <p:cNvSpPr txBox="1"/>
+          <p:nvPr/>
+        </p:nvSpPr>
+        <p:spPr>
+          <a:xfrm>
+            <a:off x="8305800" y="6324600"/>
+            <a:ext cx="301686" cy="369332"/>
+          </a:xfrm>
+          <a:prstGeom prst="rect">
+            <a:avLst/>
+          </a:prstGeom>
+          <a:noFill/>
+        </p:spPr>
+        <p:txBody>
+          <a:bodyPr wrap="none" rtlCol="0">
+            <a:spAutoFit/>
+          </a:bodyPr>
+          <a:lstStyle/>
+          <a:p>
+            <a:r>
+              <a:rPr lang="ru-RU" dirty="0" smtClean="0"/>
+              <a:t>8</a:t>
+            </a:r>
+            <a:endParaRPr lang="ru-RU" dirty="0"/>
+          </a:p>
+        </p:txBody>
+      </p:sp>
+    </p:spTree>
+  </p:cSld>
+  <p:clrMapOvr>
+    <a:masterClrMapping/>
+  </p:clrMapOvr>
+  <p:timing>
+    <p:tnLst>
+      <p:par>
+        <p:cTn id="1" dur="indefinite" restart="never" nodeType="tmRoot"/>
+      </p:par>
+    </p:tnLst>
+  </p:timing>
+</p:sld>
+</file>
+
+<file path=ppt/slides/slide9.xml><?xml version="1.0" encoding="utf-8"?>
+<p:sld xmlns:a="http://schemas.openxmlformats.org/drawingml/2006/main" xmlns:r="http://schemas.openxmlformats.org/officeDocument/2006/relationships" xmlns:p="http://schemas.openxmlformats.org/presentationml/2006/main">
+  <p:cSld>
+    <p:spTree>
+      <p:nvGrpSpPr>
+        <p:cNvPr id="1" name=""/>
+        <p:cNvGrpSpPr/>
+        <p:nvPr/>
+      </p:nvGrpSpPr>
+      <p:grpSpPr>
+        <a:xfrm>
+          <a:off x="0" y="0"/>
+          <a:ext cx="0" cy="0"/>
+          <a:chOff x="0" y="0"/>
+          <a:chExt cx="0" cy="0"/>
+        </a:xfrm>
+      </p:grpSpPr>
+      <p:sp>
+        <p:nvSpPr>
+          <p:cNvPr id="2" name="Заголовок 1"/>
+          <p:cNvSpPr>
+            <a:spLocks noGrp="1"/>
+          </p:cNvSpPr>
+          <p:nvPr>
+            <p:ph type="title"/>
+          </p:nvPr>
+        </p:nvSpPr>
+        <p:spPr/>
+        <p:txBody>
+          <a:bodyPr>
+            <a:normAutofit fontScale="90000"/>
+          </a:bodyPr>
+          <a:lstStyle/>
+          <a:p>
+            <a:r>
+              <a:rPr lang="ru-RU" dirty="0" smtClean="0"/>
+              <a:t>Сравнение векторной ШИМ и синусоидальной без </a:t>
+            </a:r>
+            <a:r>
+              <a:rPr lang="ru-RU" dirty="0" err="1" smtClean="0"/>
+              <a:t>перемодуляции</a:t>
+            </a:r>
+            <a:r>
+              <a:rPr lang="ru-RU" dirty="0" smtClean="0"/>
+              <a:t>.</a:t>
+            </a:r>
+            <a:endParaRPr lang="ru-RU" dirty="0"/>
+          </a:p>
+        </p:txBody>
+      </p:sp>
+      <p:sp>
+        <p:nvSpPr>
+          <p:cNvPr id="5" name="Содержимое 4"/>
+          <p:cNvSpPr>
+            <a:spLocks noGrp="1"/>
+          </p:cNvSpPr>
+          <p:nvPr>
+            <p:ph sz="quarter" idx="1"/>
+          </p:nvPr>
+        </p:nvSpPr>
+        <p:spPr/>
+        <p:txBody>
+          <a:bodyPr>
+            <a:normAutofit/>
+          </a:bodyPr>
+          <a:lstStyle/>
+          <a:p>
+            <a:r>
+              <a:rPr lang="ru-RU" sz="2000" dirty="0" smtClean="0"/>
+              <a:t>Синяя кривая, скорость двигателя при использовании алгоритма векторной ШИМ.</a:t>
+            </a:r>
+          </a:p>
+          <a:p>
+            <a:r>
+              <a:rPr lang="ru-RU" sz="2000" dirty="0" smtClean="0"/>
+              <a:t>Красная кривая, скорость двигателя при использовании синусоид. ШИМ.</a:t>
+            </a:r>
+            <a:endParaRPr lang="ru-RU" sz="2000" dirty="0"/>
+          </a:p>
+        </p:txBody>
+      </p:sp>
+      <p:pic>
+        <p:nvPicPr>
+          <p:cNvPr id="1026" name="Picture 2"/>
+          <p:cNvPicPr>
+            <a:picLocks noChangeAspect="1" noChangeArrowheads="1"/>
+          </p:cNvPicPr>
+          <p:nvPr/>
+        </p:nvPicPr>
+        <p:blipFill>
+          <a:blip r:embed="rId2"/>
+          <a:srcRect/>
+          <a:stretch>
+            <a:fillRect/>
+          </a:stretch>
+        </p:blipFill>
+        <p:spPr bwMode="auto">
+          <a:xfrm>
+            <a:off x="1752600" y="2667000"/>
+            <a:ext cx="5638800" cy="3302000"/>
+          </a:xfrm>
+          <a:prstGeom prst="rect">
+            <a:avLst/>
+          </a:prstGeom>
+          <a:noFill/>
+          <a:ln w="9525">
+            <a:noFill/>
+            <a:miter lim="800000"/>
+            <a:headEnd/>
+            <a:tailEnd/>
+          </a:ln>
+          <a:effectLst/>
+        </p:spPr>
+      </p:pic>
+      <p:sp>
+        <p:nvSpPr>
+          <p:cNvPr id="8" name="TextBox 7"/>
+          <p:cNvSpPr txBox="1"/>
+          <p:nvPr/>
+        </p:nvSpPr>
+        <p:spPr>
+          <a:xfrm>
+            <a:off x="8305800" y="6324600"/>
+            <a:ext cx="301686" cy="369332"/>
+          </a:xfrm>
+          <a:prstGeom prst="rect">
+            <a:avLst/>
+          </a:prstGeom>
+          <a:noFill/>
+        </p:spPr>
+        <p:txBody>
+          <a:bodyPr wrap="none" rtlCol="0">
+            <a:spAutoFit/>
+          </a:bodyPr>
+          <a:lstStyle/>
+          <a:p>
+            <a:r>
+              <a:rPr lang="ru-RU" dirty="0" smtClean="0"/>
+              <a:t>9</a:t>
             </a:r>
             <a:endParaRPr lang="ru-RU" dirty="0"/>
           </a:p>
